--- a/Presentasi/Website e-commerce .pptx
+++ b/Presentasi/Website e-commerce .pptx
@@ -13,10 +13,9 @@
     <p:sldId id="261" r:id="rId7"/>
     <p:sldId id="262" r:id="rId8"/>
     <p:sldId id="266" r:id="rId9"/>
-    <p:sldId id="267" r:id="rId10"/>
-    <p:sldId id="263" r:id="rId11"/>
-    <p:sldId id="264" r:id="rId12"/>
-    <p:sldId id="265" r:id="rId13"/>
+    <p:sldId id="263" r:id="rId10"/>
+    <p:sldId id="264" r:id="rId11"/>
+    <p:sldId id="265" r:id="rId12"/>
   </p:sldIdLst>
   <p:sldSz cx="12192000" cy="6858000"/>
   <p:notesSz cx="6858000" cy="9144000"/>
@@ -121,43 +120,6 @@
     </p:ext>
   </p:extLst>
 </p:presentation>
-</file>
-
-<file path=ppt/changesInfos/changesInfo1.xml><?xml version="1.0" encoding="utf-8"?>
-<pc:chgInfo xmlns:a="http://schemas.openxmlformats.org/drawingml/2006/main" xmlns:r="http://schemas.openxmlformats.org/officeDocument/2006/relationships" xmlns:ac="http://schemas.microsoft.com/office/drawing/2013/main/command" xmlns:pc="http://schemas.microsoft.com/office/powerpoint/2013/main/command">
-  <pc:docChgLst>
-    <pc:chgData name="rafky siahaan" userId="dfa92996041ecb0a" providerId="LiveId" clId="{072E4534-8902-4A51-B7AF-2B95FAB419DA}"/>
-    <pc:docChg chg="custSel modSld">
-      <pc:chgData name="rafky siahaan" userId="dfa92996041ecb0a" providerId="LiveId" clId="{072E4534-8902-4A51-B7AF-2B95FAB419DA}" dt="2025-01-09T08:42:23.191" v="5" actId="14100"/>
-      <pc:docMkLst>
-        <pc:docMk/>
-      </pc:docMkLst>
-      <pc:sldChg chg="addSp delSp modSp mod">
-        <pc:chgData name="rafky siahaan" userId="dfa92996041ecb0a" providerId="LiveId" clId="{072E4534-8902-4A51-B7AF-2B95FAB419DA}" dt="2025-01-09T08:42:23.191" v="5" actId="14100"/>
-        <pc:sldMkLst>
-          <pc:docMk/>
-          <pc:sldMk cId="4119384542" sldId="260"/>
-        </pc:sldMkLst>
-        <pc:picChg chg="add mod">
-          <ac:chgData name="rafky siahaan" userId="dfa92996041ecb0a" providerId="LiveId" clId="{072E4534-8902-4A51-B7AF-2B95FAB419DA}" dt="2025-01-09T08:42:23.191" v="5" actId="14100"/>
-          <ac:picMkLst>
-            <pc:docMk/>
-            <pc:sldMk cId="4119384542" sldId="260"/>
-            <ac:picMk id="3" creationId="{8FC7E35C-66A1-4CE3-873A-8A774E744714}"/>
-          </ac:picMkLst>
-        </pc:picChg>
-        <pc:picChg chg="del">
-          <ac:chgData name="rafky siahaan" userId="dfa92996041ecb0a" providerId="LiveId" clId="{072E4534-8902-4A51-B7AF-2B95FAB419DA}" dt="2025-01-09T08:39:12.268" v="0" actId="478"/>
-          <ac:picMkLst>
-            <pc:docMk/>
-            <pc:sldMk cId="4119384542" sldId="260"/>
-            <ac:picMk id="9" creationId="{B1A5EFCD-7BE8-4E7A-A917-EC77286887F7}"/>
-          </ac:picMkLst>
-        </pc:picChg>
-      </pc:sldChg>
-    </pc:docChg>
-  </pc:docChgLst>
-</pc:chgInfo>
 </file>
 
 <file path=ppt/slideLayouts/slideLayout1.xml><?xml version="1.0" encoding="utf-8"?>
@@ -3507,7 +3469,7 @@
           <p:cNvPr id="4" name="Title 3">
             <a:extLst>
               <a:ext uri="{FF2B5EF4-FFF2-40B4-BE49-F238E27FC236}">
-                <a16:creationId xmlns:a16="http://schemas.microsoft.com/office/drawing/2014/main" id="{EEECD285-DCC7-A004-0654-1DFB7E10C01C}"/>
+                <a16:creationId xmlns:a16="http://schemas.microsoft.com/office/drawing/2014/main" id="{30B3BDA4-289E-B472-9B9E-36975FC4DA25}"/>
               </a:ext>
             </a:extLst>
           </p:cNvPr>
@@ -3532,7 +3494,7 @@
           <p:cNvPr id="5" name="Subtitle 4">
             <a:extLst>
               <a:ext uri="{FF2B5EF4-FFF2-40B4-BE49-F238E27FC236}">
-                <a16:creationId xmlns:a16="http://schemas.microsoft.com/office/drawing/2014/main" id="{99587997-F905-FB5B-ED64-74F4744F1D2D}"/>
+                <a16:creationId xmlns:a16="http://schemas.microsoft.com/office/drawing/2014/main" id="{1AB14313-BAD8-D387-C7E7-A580DE0C7D9B}"/>
               </a:ext>
             </a:extLst>
           </p:cNvPr>
@@ -3554,138 +3516,10 @@
       </p:sp>
       <p:pic>
         <p:nvPicPr>
-          <p:cNvPr id="3" name="Picture 2">
-            <a:extLst>
-              <a:ext uri="{FF2B5EF4-FFF2-40B4-BE49-F238E27FC236}">
-                <a16:creationId xmlns:a16="http://schemas.microsoft.com/office/drawing/2014/main" id="{64D6D256-4508-B44D-339F-49932E1F9BCF}"/>
-              </a:ext>
-            </a:extLst>
-          </p:cNvPr>
-          <p:cNvPicPr>
-            <a:picLocks noChangeAspect="1"/>
-          </p:cNvPicPr>
-          <p:nvPr/>
-        </p:nvPicPr>
-        <p:blipFill>
-          <a:blip r:embed="rId2">
-            <a:extLst>
-              <a:ext uri="{28A0092B-C50C-407E-A947-70E740481C1C}">
-                <a14:useLocalDpi xmlns:a14="http://schemas.microsoft.com/office/drawing/2010/main" val="0"/>
-              </a:ext>
-            </a:extLst>
-          </a:blip>
-          <a:stretch>
-            <a:fillRect/>
-          </a:stretch>
-        </p:blipFill>
-        <p:spPr>
-          <a:xfrm>
-            <a:off x="0" y="0"/>
-            <a:ext cx="12192000" cy="6858000"/>
-          </a:xfrm>
-          <a:prstGeom prst="rect">
-            <a:avLst/>
-          </a:prstGeom>
-        </p:spPr>
-      </p:pic>
-    </p:spTree>
-    <p:extLst>
-      <p:ext uri="{BB962C8B-B14F-4D97-AF65-F5344CB8AC3E}">
-        <p14:creationId xmlns:p14="http://schemas.microsoft.com/office/powerpoint/2010/main" val="1805508239"/>
-      </p:ext>
-    </p:extLst>
-  </p:cSld>
-  <p:clrMapOvr>
-    <a:masterClrMapping/>
-  </p:clrMapOvr>
-  <mc:AlternateContent xmlns:mc="http://schemas.openxmlformats.org/markup-compatibility/2006" xmlns:p14="http://schemas.microsoft.com/office/powerpoint/2010/main">
-    <mc:Choice Requires="p14">
-      <p:transition spd="slow" p14:dur="4000">
-        <p14:vortex dir="r"/>
-      </p:transition>
-    </mc:Choice>
-    <mc:Fallback xmlns="">
-      <p:transition spd="slow">
-        <p:fade/>
-      </p:transition>
-    </mc:Fallback>
-  </mc:AlternateContent>
-</p:sld>
-</file>
-
-<file path=ppt/slides/slide11.xml><?xml version="1.0" encoding="utf-8"?>
-<p:sld xmlns:a="http://schemas.openxmlformats.org/drawingml/2006/main" xmlns:r="http://schemas.openxmlformats.org/officeDocument/2006/relationships" xmlns:p="http://schemas.openxmlformats.org/presentationml/2006/main">
-  <p:cSld>
-    <p:spTree>
-      <p:nvGrpSpPr>
-        <p:cNvPr id="1" name=""/>
-        <p:cNvGrpSpPr/>
-        <p:nvPr/>
-      </p:nvGrpSpPr>
-      <p:grpSpPr>
-        <a:xfrm>
-          <a:off x="0" y="0"/>
-          <a:ext cx="0" cy="0"/>
-          <a:chOff x="0" y="0"/>
-          <a:chExt cx="0" cy="0"/>
-        </a:xfrm>
-      </p:grpSpPr>
-      <p:sp>
-        <p:nvSpPr>
-          <p:cNvPr id="4" name="Title 3">
-            <a:extLst>
-              <a:ext uri="{FF2B5EF4-FFF2-40B4-BE49-F238E27FC236}">
-                <a16:creationId xmlns:a16="http://schemas.microsoft.com/office/drawing/2014/main" id="{30B3BDA4-289E-B472-9B9E-36975FC4DA25}"/>
-              </a:ext>
-            </a:extLst>
-          </p:cNvPr>
-          <p:cNvSpPr>
-            <a:spLocks noGrp="1"/>
-          </p:cNvSpPr>
-          <p:nvPr>
-            <p:ph type="ctrTitle"/>
-          </p:nvPr>
-        </p:nvSpPr>
-        <p:spPr/>
-        <p:txBody>
-          <a:bodyPr/>
-          <a:lstStyle/>
-          <a:p>
-            <a:endParaRPr lang="en-US"/>
-          </a:p>
-        </p:txBody>
-      </p:sp>
-      <p:sp>
-        <p:nvSpPr>
-          <p:cNvPr id="5" name="Subtitle 4">
-            <a:extLst>
-              <a:ext uri="{FF2B5EF4-FFF2-40B4-BE49-F238E27FC236}">
-                <a16:creationId xmlns:a16="http://schemas.microsoft.com/office/drawing/2014/main" id="{1AB14313-BAD8-D387-C7E7-A580DE0C7D9B}"/>
-              </a:ext>
-            </a:extLst>
-          </p:cNvPr>
-          <p:cNvSpPr>
-            <a:spLocks noGrp="1"/>
-          </p:cNvSpPr>
-          <p:nvPr>
-            <p:ph type="subTitle" idx="1"/>
-          </p:nvPr>
-        </p:nvSpPr>
-        <p:spPr/>
-        <p:txBody>
-          <a:bodyPr/>
-          <a:lstStyle/>
-          <a:p>
-            <a:endParaRPr lang="en-US"/>
-          </a:p>
-        </p:txBody>
-      </p:sp>
-      <p:pic>
-        <p:nvPicPr>
-          <p:cNvPr id="3" name="Picture 2">
-            <a:extLst>
-              <a:ext uri="{FF2B5EF4-FFF2-40B4-BE49-F238E27FC236}">
-                <a16:creationId xmlns:a16="http://schemas.microsoft.com/office/drawing/2014/main" id="{5EADC3C6-193E-4E4F-6EC9-8A09FC623A60}"/>
+          <p:cNvPr id="6" name="Picture 5">
+            <a:extLst>
+              <a:ext uri="{FF2B5EF4-FFF2-40B4-BE49-F238E27FC236}">
+                <a16:creationId xmlns:a16="http://schemas.microsoft.com/office/drawing/2014/main" id="{66D971D5-085E-98BB-0A50-C7C5F33E5075}"/>
               </a:ext>
             </a:extLst>
           </p:cNvPr>
@@ -3741,7 +3575,7 @@
 </p:sld>
 </file>
 
-<file path=ppt/slides/slide12.xml><?xml version="1.0" encoding="utf-8"?>
+<file path=ppt/slides/slide11.xml><?xml version="1.0" encoding="utf-8"?>
 <p:sld xmlns:a="http://schemas.openxmlformats.org/drawingml/2006/main" xmlns:r="http://schemas.openxmlformats.org/officeDocument/2006/relationships" xmlns:p="http://schemas.openxmlformats.org/presentationml/2006/main">
   <p:cSld>
     <p:spTree>
@@ -4349,10 +4183,10 @@
       </p:pic>
       <p:pic>
         <p:nvPicPr>
-          <p:cNvPr id="3" name="Picture 2">
-            <a:extLst>
-              <a:ext uri="{FF2B5EF4-FFF2-40B4-BE49-F238E27FC236}">
-                <a16:creationId xmlns:a16="http://schemas.microsoft.com/office/drawing/2014/main" id="{8FC7E35C-66A1-4CE3-873A-8A774E744714}"/>
+          <p:cNvPr id="6" name="Picture 5">
+            <a:extLst>
+              <a:ext uri="{FF2B5EF4-FFF2-40B4-BE49-F238E27FC236}">
+                <a16:creationId xmlns:a16="http://schemas.microsoft.com/office/drawing/2014/main" id="{80367B7E-02ED-D7EF-8F07-77063EA5535D}"/>
               </a:ext>
             </a:extLst>
           </p:cNvPr>
@@ -4375,8 +4209,8 @@
         </p:blipFill>
         <p:spPr>
           <a:xfrm>
-            <a:off x="2112579" y="1008993"/>
-            <a:ext cx="7725103" cy="5623035"/>
+            <a:off x="1270000" y="1031132"/>
+            <a:ext cx="8800300" cy="5760828"/>
           </a:xfrm>
           <a:prstGeom prst="rect">
             <a:avLst/>
@@ -4513,10 +4347,10 @@
       </p:pic>
       <p:pic>
         <p:nvPicPr>
-          <p:cNvPr id="9" name="Picture 8">
-            <a:extLst>
-              <a:ext uri="{FF2B5EF4-FFF2-40B4-BE49-F238E27FC236}">
-                <a16:creationId xmlns:a16="http://schemas.microsoft.com/office/drawing/2014/main" id="{6DCB8AC9-1DA3-49E8-8867-DB168ACE5BBB}"/>
+          <p:cNvPr id="3" name="Picture 2">
+            <a:extLst>
+              <a:ext uri="{FF2B5EF4-FFF2-40B4-BE49-F238E27FC236}">
+                <a16:creationId xmlns:a16="http://schemas.microsoft.com/office/drawing/2014/main" id="{F0FC894B-E15E-D9B2-07D6-26C374F7F8C6}"/>
               </a:ext>
             </a:extLst>
           </p:cNvPr>
@@ -4533,14 +4367,13 @@
               </a:ext>
             </a:extLst>
           </a:blip>
-          <a:stretch>
-            <a:fillRect/>
-          </a:stretch>
+          <a:srcRect l="22148" t="28000" r="11926" b="10815"/>
+          <a:stretch/>
         </p:blipFill>
         <p:spPr>
           <a:xfrm>
-            <a:off x="1847850" y="924719"/>
-            <a:ext cx="8496300" cy="5354637"/>
+            <a:off x="2265680" y="1122363"/>
+            <a:ext cx="7660640" cy="5621068"/>
           </a:xfrm>
           <a:prstGeom prst="rect">
             <a:avLst/>
@@ -4865,8 +4698,8 @@
         </p:blipFill>
         <p:spPr>
           <a:xfrm>
-            <a:off x="2286000" y="990600"/>
-            <a:ext cx="7861300" cy="5089187"/>
+            <a:off x="2663317" y="1303506"/>
+            <a:ext cx="6865366" cy="4776281"/>
           </a:xfrm>
           <a:prstGeom prst="rect">
             <a:avLst/>
@@ -4908,7 +4741,7 @@
           <p:cNvPr id="4" name="Title 3">
             <a:extLst>
               <a:ext uri="{FF2B5EF4-FFF2-40B4-BE49-F238E27FC236}">
-                <a16:creationId xmlns:a16="http://schemas.microsoft.com/office/drawing/2014/main" id="{771344F4-C101-BF56-C85F-11D348DD5070}"/>
+                <a16:creationId xmlns:a16="http://schemas.microsoft.com/office/drawing/2014/main" id="{EEECD285-DCC7-A004-0654-1DFB7E10C01C}"/>
               </a:ext>
             </a:extLst>
           </p:cNvPr>
@@ -4933,7 +4766,7 @@
           <p:cNvPr id="5" name="Subtitle 4">
             <a:extLst>
               <a:ext uri="{FF2B5EF4-FFF2-40B4-BE49-F238E27FC236}">
-                <a16:creationId xmlns:a16="http://schemas.microsoft.com/office/drawing/2014/main" id="{56A606E6-BCB9-A5FB-EC6B-1910ED53F1CF}"/>
+                <a16:creationId xmlns:a16="http://schemas.microsoft.com/office/drawing/2014/main" id="{99587997-F905-FB5B-ED64-74F4744F1D2D}"/>
               </a:ext>
             </a:extLst>
           </p:cNvPr>
@@ -4955,10 +4788,10 @@
       </p:sp>
       <p:pic>
         <p:nvPicPr>
-          <p:cNvPr id="7" name="Picture 6">
-            <a:extLst>
-              <a:ext uri="{FF2B5EF4-FFF2-40B4-BE49-F238E27FC236}">
-                <a16:creationId xmlns:a16="http://schemas.microsoft.com/office/drawing/2014/main" id="{0B18765D-06A8-7C6F-8FB5-C56A757CE202}"/>
+          <p:cNvPr id="3" name="Picture 2">
+            <a:extLst>
+              <a:ext uri="{FF2B5EF4-FFF2-40B4-BE49-F238E27FC236}">
+                <a16:creationId xmlns:a16="http://schemas.microsoft.com/office/drawing/2014/main" id="{64D6D256-4508-B44D-339F-49932E1F9BCF}"/>
               </a:ext>
             </a:extLst>
           </p:cNvPr>
@@ -4989,52 +4822,28 @@
           </a:prstGeom>
         </p:spPr>
       </p:pic>
-      <p:pic>
-        <p:nvPicPr>
-          <p:cNvPr id="3" name="Picture 2">
-            <a:extLst>
-              <a:ext uri="{FF2B5EF4-FFF2-40B4-BE49-F238E27FC236}">
-                <a16:creationId xmlns:a16="http://schemas.microsoft.com/office/drawing/2014/main" id="{D973C351-781D-4A01-B670-864A866772F3}"/>
-              </a:ext>
-            </a:extLst>
-          </p:cNvPr>
-          <p:cNvPicPr>
-            <a:picLocks noChangeAspect="1"/>
-          </p:cNvPicPr>
-          <p:nvPr/>
-        </p:nvPicPr>
-        <p:blipFill>
-          <a:blip r:embed="rId3">
-            <a:extLst>
-              <a:ext uri="{28A0092B-C50C-407E-A947-70E740481C1C}">
-                <a14:useLocalDpi xmlns:a14="http://schemas.microsoft.com/office/drawing/2010/main" val="0"/>
-              </a:ext>
-            </a:extLst>
-          </a:blip>
-          <a:stretch>
-            <a:fillRect/>
-          </a:stretch>
-        </p:blipFill>
-        <p:spPr>
-          <a:xfrm>
-            <a:off x="0" y="1"/>
-            <a:ext cx="12192000" cy="6858000"/>
-          </a:xfrm>
-          <a:prstGeom prst="rect">
-            <a:avLst/>
-          </a:prstGeom>
-        </p:spPr>
-      </p:pic>
     </p:spTree>
     <p:extLst>
       <p:ext uri="{BB962C8B-B14F-4D97-AF65-F5344CB8AC3E}">
-        <p14:creationId xmlns:p14="http://schemas.microsoft.com/office/powerpoint/2010/main" val="1989630142"/>
+        <p14:creationId xmlns:p14="http://schemas.microsoft.com/office/powerpoint/2010/main" val="1805508239"/>
       </p:ext>
     </p:extLst>
   </p:cSld>
   <p:clrMapOvr>
     <a:masterClrMapping/>
   </p:clrMapOvr>
+  <mc:AlternateContent xmlns:mc="http://schemas.openxmlformats.org/markup-compatibility/2006" xmlns:p14="http://schemas.microsoft.com/office/powerpoint/2010/main">
+    <mc:Choice Requires="p14">
+      <p:transition spd="slow" p14:dur="4000">
+        <p14:vortex dir="r"/>
+      </p:transition>
+    </mc:Choice>
+    <mc:Fallback xmlns="">
+      <p:transition spd="slow">
+        <p:fade/>
+      </p:transition>
+    </mc:Fallback>
+  </mc:AlternateContent>
 </p:sld>
 </file>
 
